--- a/C++资料包/math/背包.pptx
+++ b/C++资料包/math/背包.pptx
@@ -5,17 +5,17 @@
     <p:sldMasterId id="2147483648" r:id="rId1"/>
   </p:sldMasterIdLst>
   <p:notesMasterIdLst>
-    <p:notesMasterId r:id="rId5"/>
+    <p:notesMasterId r:id="rId4"/>
   </p:notesMasterIdLst>
   <p:handoutMasterIdLst>
-    <p:handoutMasterId r:id="rId6"/>
+    <p:handoutMasterId r:id="rId5"/>
   </p:handoutMasterIdLst>
   <p:sldIdLst>
-    <p:sldId id="256" r:id="rId3"/>
-    <p:sldId id="257" r:id="rId4"/>
+    <p:sldId id="256" r:id="rId2"/>
+    <p:sldId id="257" r:id="rId3"/>
   </p:sldIdLst>
   <p:sldSz cx="12192000" cy="6858000"/>
-  <p:notesSz cx="7103745" cy="10234295"/>
+  <p:notesSz cx="7104063" cy="10234613"/>
   <p:defaultTextStyle>
     <a:defPPr>
       <a:defRPr lang="zh-CN"/>
@@ -111,6 +111,22 @@
       </a:defRPr>
     </a:lvl9pPr>
   </p:defaultTextStyle>
+  <p:extLst>
+    <p:ext uri="{EFAFB233-063F-42B5-8137-9DF3F51BA10A}">
+      <p15:sldGuideLst xmlns:p15="http://schemas.microsoft.com/office/powerpoint/2012/main">
+        <p15:guide id="1" orient="horz" pos="2159">
+          <p15:clr>
+            <a:srgbClr val="A4A3A4"/>
+          </p15:clr>
+        </p15:guide>
+        <p15:guide id="2" pos="3840">
+          <p15:clr>
+            <a:srgbClr val="A4A3A4"/>
+          </p15:clr>
+        </p15:guide>
+      </p15:sldGuideLst>
+    </p:ext>
+  </p:extLst>
 </p:presentation>
 </file>
 
@@ -196,6 +212,7 @@
           <a:p>
             <a:fld id="{0F9B84EA-7D68-4D60-9CB1-D50884785D1C}" type="datetimeFigureOut">
               <a:rPr lang="zh-CN" altLang="en-US" smtClean="0"/>
+              <a:t>2020/5/31</a:t>
             </a:fld>
             <a:endParaRPr lang="zh-CN" altLang="en-US"/>
           </a:p>
@@ -261,6 +278,7 @@
           <a:p>
             <a:fld id="{8D4E0FC9-F1F8-4FAE-9988-3BA365CFD46F}" type="slidenum">
               <a:rPr lang="zh-CN" altLang="en-US" smtClean="0"/>
+              <a:t>‹#›</a:t>
             </a:fld>
             <a:endParaRPr lang="zh-CN" altLang="en-US"/>
           </a:p>
@@ -354,6 +372,7 @@
           <a:p>
             <a:fld id="{D6C8D182-E4C8-4120-9249-FC9774456FFA}" type="datetimeFigureOut">
               <a:rPr lang="zh-CN" altLang="en-US" smtClean="0"/>
+              <a:t>2020/5/31</a:t>
             </a:fld>
             <a:endParaRPr lang="zh-CN" altLang="en-US"/>
           </a:p>
@@ -420,7 +439,6 @@
               <a:rPr lang="zh-CN" altLang="en-US"/>
               <a:t>编辑母版文本样式</a:t>
             </a:r>
-            <a:endParaRPr lang="zh-CN" altLang="en-US"/>
           </a:p>
           <a:p>
             <a:pPr lvl="1"/>
@@ -428,7 +446,6 @@
               <a:rPr lang="zh-CN" altLang="en-US"/>
               <a:t>第二级</a:t>
             </a:r>
-            <a:endParaRPr lang="zh-CN" altLang="en-US"/>
           </a:p>
           <a:p>
             <a:pPr lvl="2"/>
@@ -436,7 +453,6 @@
               <a:rPr lang="zh-CN" altLang="en-US"/>
               <a:t>第三级</a:t>
             </a:r>
-            <a:endParaRPr lang="zh-CN" altLang="en-US"/>
           </a:p>
           <a:p>
             <a:pPr lvl="3"/>
@@ -444,7 +460,6 @@
               <a:rPr lang="zh-CN" altLang="en-US"/>
               <a:t>第四级</a:t>
             </a:r>
-            <a:endParaRPr lang="zh-CN" altLang="en-US"/>
           </a:p>
           <a:p>
             <a:pPr lvl="4"/>
@@ -452,7 +467,6 @@
               <a:rPr lang="zh-CN" altLang="en-US"/>
               <a:t>第五级</a:t>
             </a:r>
-            <a:endParaRPr lang="zh-CN" altLang="en-US"/>
           </a:p>
         </p:txBody>
       </p:sp>
@@ -516,6 +530,7 @@
           <a:p>
             <a:fld id="{85D0DACE-38E0-42D2-9336-2B707D34BC6D}" type="slidenum">
               <a:rPr lang="zh-CN" altLang="en-US" smtClean="0"/>
+              <a:t>‹#›</a:t>
             </a:fld>
             <a:endParaRPr lang="zh-CN" altLang="en-US"/>
           </a:p>
@@ -677,7 +692,6 @@
               <a:rPr lang="zh-CN" altLang="en-US" dirty="0"/>
               <a:t>单击此处添加标题</a:t>
             </a:r>
-            <a:endParaRPr lang="zh-CN" altLang="en-US" dirty="0"/>
           </a:p>
         </p:txBody>
       </p:sp>
@@ -698,6 +712,7 @@
           <a:p>
             <a:fld id="{760FBDFE-C587-4B4C-A407-44438C67B59E}" type="datetimeFigureOut">
               <a:rPr lang="zh-CN" altLang="en-US" smtClean="0"/>
+              <a:t>2020/5/31</a:t>
             </a:fld>
             <a:endParaRPr lang="zh-CN" altLang="en-US"/>
           </a:p>
@@ -739,6 +754,7 @@
           <a:p>
             <a:fld id="{49AE70B2-8BF9-45C0-BB95-33D1B9D3A854}" type="slidenum">
               <a:rPr lang="zh-CN" altLang="en-US" smtClean="0"/>
+              <a:t>‹#›</a:t>
             </a:fld>
             <a:endParaRPr lang="zh-CN" altLang="en-US"/>
           </a:p>
@@ -817,7 +833,6 @@
               <a:rPr lang="zh-CN" altLang="en-US" dirty="0"/>
               <a:t>单击此处添加副标题</a:t>
             </a:r>
-            <a:endParaRPr lang="zh-CN" altLang="en-US" dirty="0"/>
           </a:p>
         </p:txBody>
       </p:sp>
@@ -863,6 +878,7 @@
           <a:p>
             <a:fld id="{760FBDFE-C587-4B4C-A407-44438C67B59E}" type="datetimeFigureOut">
               <a:rPr lang="zh-CN" altLang="en-US" smtClean="0"/>
+              <a:t>2020/5/31</a:t>
             </a:fld>
             <a:endParaRPr lang="zh-CN" altLang="en-US"/>
           </a:p>
@@ -904,6 +920,7 @@
           <a:p>
             <a:fld id="{49AE70B2-8BF9-45C0-BB95-33D1B9D3A854}" type="slidenum">
               <a:rPr lang="zh-CN" altLang="en-US" smtClean="0"/>
+              <a:t>‹#›</a:t>
             </a:fld>
             <a:endParaRPr lang="zh-CN" altLang="en-US"/>
           </a:p>
@@ -934,7 +951,6 @@
               <a:rPr lang="zh-CN" altLang="en-US" dirty="0"/>
               <a:t>单击此处编辑母版文本样式</a:t>
             </a:r>
-            <a:endParaRPr lang="zh-CN" altLang="en-US" dirty="0"/>
           </a:p>
           <a:p>
             <a:pPr lvl="1"/>
@@ -942,7 +958,6 @@
               <a:rPr lang="zh-CN" altLang="en-US" dirty="0"/>
               <a:t>第二级</a:t>
             </a:r>
-            <a:endParaRPr lang="zh-CN" altLang="en-US" dirty="0"/>
           </a:p>
           <a:p>
             <a:pPr lvl="2"/>
@@ -950,7 +965,6 @@
               <a:rPr lang="zh-CN" altLang="en-US" dirty="0"/>
               <a:t>第三级</a:t>
             </a:r>
-            <a:endParaRPr lang="zh-CN" altLang="en-US" dirty="0"/>
           </a:p>
           <a:p>
             <a:pPr lvl="3"/>
@@ -958,7 +972,6 @@
               <a:rPr lang="zh-CN" altLang="en-US" dirty="0"/>
               <a:t>第四级</a:t>
             </a:r>
-            <a:endParaRPr lang="zh-CN" altLang="en-US" dirty="0"/>
           </a:p>
           <a:p>
             <a:pPr lvl="4"/>
@@ -966,7 +979,6 @@
               <a:rPr lang="zh-CN" altLang="en-US" dirty="0"/>
               <a:t>第五级</a:t>
             </a:r>
-            <a:endParaRPr lang="zh-CN" altLang="en-US" dirty="0"/>
           </a:p>
         </p:txBody>
       </p:sp>
@@ -1033,7 +1045,6 @@
               <a:rPr lang="zh-CN" altLang="en-US" dirty="0"/>
               <a:t>单击此处编辑母版标题样式</a:t>
             </a:r>
-            <a:endParaRPr lang="zh-CN" altLang="en-US" dirty="0"/>
           </a:p>
         </p:txBody>
       </p:sp>
@@ -1115,7 +1126,6 @@
               <a:rPr lang="zh-CN" altLang="en-US" dirty="0"/>
               <a:t>单击此处编辑母版文本样式</a:t>
             </a:r>
-            <a:endParaRPr lang="zh-CN" altLang="en-US" dirty="0"/>
           </a:p>
           <a:p>
             <a:pPr lvl="1"/>
@@ -1123,7 +1133,6 @@
               <a:rPr lang="zh-CN" altLang="en-US" dirty="0"/>
               <a:t>第二级</a:t>
             </a:r>
-            <a:endParaRPr lang="zh-CN" altLang="en-US" dirty="0"/>
           </a:p>
           <a:p>
             <a:pPr lvl="2"/>
@@ -1131,7 +1140,6 @@
               <a:rPr lang="zh-CN" altLang="en-US" dirty="0"/>
               <a:t>第三级</a:t>
             </a:r>
-            <a:endParaRPr lang="zh-CN" altLang="en-US" dirty="0"/>
           </a:p>
           <a:p>
             <a:pPr lvl="3"/>
@@ -1139,7 +1147,6 @@
               <a:rPr lang="zh-CN" altLang="en-US" dirty="0"/>
               <a:t>第四级</a:t>
             </a:r>
-            <a:endParaRPr lang="zh-CN" altLang="en-US" dirty="0"/>
           </a:p>
           <a:p>
             <a:pPr lvl="4"/>
@@ -1147,7 +1154,6 @@
               <a:rPr lang="zh-CN" altLang="en-US" dirty="0"/>
               <a:t>第五级</a:t>
             </a:r>
-            <a:endParaRPr lang="zh-CN" altLang="en-US" dirty="0"/>
           </a:p>
         </p:txBody>
       </p:sp>
@@ -1168,6 +1174,7 @@
           <a:p>
             <a:fld id="{760FBDFE-C587-4B4C-A407-44438C67B59E}" type="datetimeFigureOut">
               <a:rPr lang="zh-CN" altLang="en-US" smtClean="0"/>
+              <a:t>2020/5/31</a:t>
             </a:fld>
             <a:endParaRPr lang="zh-CN" altLang="en-US"/>
           </a:p>
@@ -1209,6 +1216,7 @@
           <a:p>
             <a:fld id="{49AE70B2-8BF9-45C0-BB95-33D1B9D3A854}" type="slidenum">
               <a:rPr lang="zh-CN" altLang="en-US" smtClean="0"/>
+              <a:t>‹#›</a:t>
             </a:fld>
             <a:endParaRPr lang="zh-CN" altLang="en-US"/>
           </a:p>
@@ -1277,7 +1285,6 @@
               <a:rPr lang="zh-CN" altLang="en-US" dirty="0"/>
               <a:t>单击此处编辑母版标题样式</a:t>
             </a:r>
-            <a:endParaRPr lang="zh-CN" altLang="en-US" dirty="0"/>
           </a:p>
         </p:txBody>
       </p:sp>
@@ -1397,7 +1404,6 @@
               <a:rPr lang="zh-CN" altLang="en-US" dirty="0"/>
               <a:t>单击此处编辑母版文本样式</a:t>
             </a:r>
-            <a:endParaRPr lang="zh-CN" altLang="en-US" dirty="0"/>
           </a:p>
         </p:txBody>
       </p:sp>
@@ -1418,6 +1424,7 @@
           <a:p>
             <a:fld id="{760FBDFE-C587-4B4C-A407-44438C67B59E}" type="datetimeFigureOut">
               <a:rPr lang="zh-CN" altLang="en-US" smtClean="0"/>
+              <a:t>2020/5/31</a:t>
             </a:fld>
             <a:endParaRPr lang="zh-CN" altLang="en-US"/>
           </a:p>
@@ -1459,6 +1466,7 @@
           <a:p>
             <a:fld id="{49AE70B2-8BF9-45C0-BB95-33D1B9D3A854}" type="slidenum">
               <a:rPr lang="zh-CN" altLang="en-US" smtClean="0"/>
+              <a:t>‹#›</a:t>
             </a:fld>
             <a:endParaRPr lang="zh-CN" altLang="en-US"/>
           </a:p>
@@ -1527,7 +1535,6 @@
               <a:rPr lang="zh-CN" altLang="en-US" dirty="0"/>
               <a:t>单击此处编辑母版标题样式</a:t>
             </a:r>
-            <a:endParaRPr lang="zh-CN" altLang="en-US" dirty="0"/>
           </a:p>
         </p:txBody>
       </p:sp>
@@ -1624,7 +1631,6 @@
               <a:rPr lang="zh-CN" altLang="en-US" dirty="0"/>
               <a:t>单击此处编辑母版文本样式</a:t>
             </a:r>
-            <a:endParaRPr lang="zh-CN" altLang="en-US" dirty="0"/>
           </a:p>
           <a:p>
             <a:pPr lvl="1"/>
@@ -1632,7 +1638,6 @@
               <a:rPr lang="zh-CN" altLang="en-US" dirty="0"/>
               <a:t>第二级</a:t>
             </a:r>
-            <a:endParaRPr lang="zh-CN" altLang="en-US" dirty="0"/>
           </a:p>
           <a:p>
             <a:pPr lvl="2"/>
@@ -1640,7 +1645,6 @@
               <a:rPr lang="zh-CN" altLang="en-US" dirty="0"/>
               <a:t>第三级</a:t>
             </a:r>
-            <a:endParaRPr lang="zh-CN" altLang="en-US" dirty="0"/>
           </a:p>
           <a:p>
             <a:pPr lvl="3"/>
@@ -1648,7 +1652,6 @@
               <a:rPr lang="zh-CN" altLang="en-US" dirty="0"/>
               <a:t>第四级</a:t>
             </a:r>
-            <a:endParaRPr lang="zh-CN" altLang="en-US" dirty="0"/>
           </a:p>
           <a:p>
             <a:pPr lvl="4"/>
@@ -1656,7 +1659,6 @@
               <a:rPr lang="zh-CN" altLang="en-US" dirty="0"/>
               <a:t>第五级</a:t>
             </a:r>
-            <a:endParaRPr lang="zh-CN" altLang="en-US" dirty="0"/>
           </a:p>
         </p:txBody>
       </p:sp>
@@ -1753,7 +1755,6 @@
               <a:rPr lang="zh-CN" altLang="en-US" dirty="0"/>
               <a:t>单击此处编辑母版文本样式</a:t>
             </a:r>
-            <a:endParaRPr lang="zh-CN" altLang="en-US" dirty="0"/>
           </a:p>
           <a:p>
             <a:pPr lvl="1"/>
@@ -1761,7 +1762,6 @@
               <a:rPr lang="zh-CN" altLang="en-US" dirty="0"/>
               <a:t>第二级</a:t>
             </a:r>
-            <a:endParaRPr lang="zh-CN" altLang="en-US" dirty="0"/>
           </a:p>
           <a:p>
             <a:pPr lvl="2"/>
@@ -1769,7 +1769,6 @@
               <a:rPr lang="zh-CN" altLang="en-US" dirty="0"/>
               <a:t>第三级</a:t>
             </a:r>
-            <a:endParaRPr lang="zh-CN" altLang="en-US" dirty="0"/>
           </a:p>
           <a:p>
             <a:pPr lvl="3"/>
@@ -1777,7 +1776,6 @@
               <a:rPr lang="zh-CN" altLang="en-US" dirty="0"/>
               <a:t>第四级</a:t>
             </a:r>
-            <a:endParaRPr lang="zh-CN" altLang="en-US" dirty="0"/>
           </a:p>
           <a:p>
             <a:pPr lvl="4"/>
@@ -1785,7 +1783,6 @@
               <a:rPr lang="zh-CN" altLang="en-US" dirty="0"/>
               <a:t>第五级</a:t>
             </a:r>
-            <a:endParaRPr lang="zh-CN" altLang="en-US" dirty="0"/>
           </a:p>
         </p:txBody>
       </p:sp>
@@ -1806,6 +1803,7 @@
           <a:p>
             <a:fld id="{760FBDFE-C587-4B4C-A407-44438C67B59E}" type="datetimeFigureOut">
               <a:rPr lang="zh-CN" altLang="en-US" smtClean="0"/>
+              <a:t>2020/5/31</a:t>
             </a:fld>
             <a:endParaRPr lang="zh-CN" altLang="en-US"/>
           </a:p>
@@ -1847,6 +1845,7 @@
           <a:p>
             <a:fld id="{49AE70B2-8BF9-45C0-BB95-33D1B9D3A854}" type="slidenum">
               <a:rPr lang="zh-CN" altLang="en-US" smtClean="0"/>
+              <a:t>‹#›</a:t>
             </a:fld>
             <a:endParaRPr lang="zh-CN" altLang="en-US"/>
           </a:p>
@@ -1901,7 +1900,6 @@
               <a:rPr lang="zh-CN" altLang="en-US"/>
               <a:t>单击此处编辑母版标题样式</a:t>
             </a:r>
-            <a:endParaRPr lang="zh-CN" altLang="en-US"/>
           </a:p>
         </p:txBody>
       </p:sp>
@@ -1967,7 +1965,6 @@
               <a:rPr lang="zh-CN" altLang="en-US" dirty="0"/>
               <a:t>单击此处编辑母版文本样式</a:t>
             </a:r>
-            <a:endParaRPr lang="zh-CN" altLang="en-US" dirty="0"/>
           </a:p>
         </p:txBody>
       </p:sp>
@@ -1996,7 +1993,6 @@
               <a:rPr lang="zh-CN" altLang="en-US" dirty="0"/>
               <a:t>单击此处编辑母版文本样式</a:t>
             </a:r>
-            <a:endParaRPr lang="zh-CN" altLang="en-US" dirty="0"/>
           </a:p>
           <a:p>
             <a:pPr lvl="1"/>
@@ -2004,7 +2000,6 @@
               <a:rPr lang="zh-CN" altLang="en-US" dirty="0"/>
               <a:t>第二级</a:t>
             </a:r>
-            <a:endParaRPr lang="zh-CN" altLang="en-US" dirty="0"/>
           </a:p>
           <a:p>
             <a:pPr lvl="2"/>
@@ -2012,7 +2007,6 @@
               <a:rPr lang="zh-CN" altLang="en-US" dirty="0"/>
               <a:t>第三级</a:t>
             </a:r>
-            <a:endParaRPr lang="zh-CN" altLang="en-US" dirty="0"/>
           </a:p>
           <a:p>
             <a:pPr lvl="3"/>
@@ -2020,7 +2014,6 @@
               <a:rPr lang="zh-CN" altLang="en-US" dirty="0"/>
               <a:t>第四级</a:t>
             </a:r>
-            <a:endParaRPr lang="zh-CN" altLang="en-US" dirty="0"/>
           </a:p>
           <a:p>
             <a:pPr lvl="4"/>
@@ -2028,7 +2021,6 @@
               <a:rPr lang="zh-CN" altLang="en-US" dirty="0"/>
               <a:t>第五级</a:t>
             </a:r>
-            <a:endParaRPr lang="zh-CN" altLang="en-US" dirty="0"/>
           </a:p>
         </p:txBody>
       </p:sp>
@@ -2094,7 +2086,6 @@
               <a:rPr lang="zh-CN" altLang="en-US" dirty="0"/>
               <a:t>单击此处编辑母版文本样式</a:t>
             </a:r>
-            <a:endParaRPr lang="zh-CN" altLang="en-US" dirty="0"/>
           </a:p>
         </p:txBody>
       </p:sp>
@@ -2123,7 +2114,6 @@
               <a:rPr lang="zh-CN" altLang="en-US" dirty="0"/>
               <a:t>单击此处编辑母版文本样式</a:t>
             </a:r>
-            <a:endParaRPr lang="zh-CN" altLang="en-US" dirty="0"/>
           </a:p>
           <a:p>
             <a:pPr lvl="1"/>
@@ -2131,7 +2121,6 @@
               <a:rPr lang="zh-CN" altLang="en-US" dirty="0"/>
               <a:t>第二级</a:t>
             </a:r>
-            <a:endParaRPr lang="zh-CN" altLang="en-US" dirty="0"/>
           </a:p>
           <a:p>
             <a:pPr lvl="2"/>
@@ -2139,7 +2128,6 @@
               <a:rPr lang="zh-CN" altLang="en-US" dirty="0"/>
               <a:t>第三级</a:t>
             </a:r>
-            <a:endParaRPr lang="zh-CN" altLang="en-US" dirty="0"/>
           </a:p>
           <a:p>
             <a:pPr lvl="3"/>
@@ -2147,7 +2135,6 @@
               <a:rPr lang="zh-CN" altLang="en-US" dirty="0"/>
               <a:t>第四级</a:t>
             </a:r>
-            <a:endParaRPr lang="zh-CN" altLang="en-US" dirty="0"/>
           </a:p>
           <a:p>
             <a:pPr lvl="4"/>
@@ -2155,7 +2142,6 @@
               <a:rPr lang="zh-CN" altLang="en-US" dirty="0"/>
               <a:t>第五级</a:t>
             </a:r>
-            <a:endParaRPr lang="zh-CN" altLang="en-US" dirty="0"/>
           </a:p>
         </p:txBody>
       </p:sp>
@@ -2176,6 +2162,7 @@
           <a:p>
             <a:fld id="{760FBDFE-C587-4B4C-A407-44438C67B59E}" type="datetimeFigureOut">
               <a:rPr lang="zh-CN" altLang="en-US" smtClean="0"/>
+              <a:t>2020/5/31</a:t>
             </a:fld>
             <a:endParaRPr lang="zh-CN" altLang="en-US"/>
           </a:p>
@@ -2217,6 +2204,7 @@
           <a:p>
             <a:fld id="{49AE70B2-8BF9-45C0-BB95-33D1B9D3A854}" type="slidenum">
               <a:rPr lang="zh-CN" altLang="en-US" smtClean="0"/>
+              <a:t>‹#›</a:t>
             </a:fld>
             <a:endParaRPr lang="zh-CN" altLang="en-US"/>
           </a:p>
@@ -2285,7 +2273,6 @@
               <a:rPr lang="zh-CN" altLang="en-US" dirty="0"/>
               <a:t>单击此处编辑母版标题样式</a:t>
             </a:r>
-            <a:endParaRPr lang="zh-CN" altLang="en-US" dirty="0"/>
           </a:p>
         </p:txBody>
       </p:sp>
@@ -2306,6 +2293,7 @@
           <a:p>
             <a:fld id="{760FBDFE-C587-4B4C-A407-44438C67B59E}" type="datetimeFigureOut">
               <a:rPr lang="zh-CN" altLang="en-US" smtClean="0"/>
+              <a:t>2020/5/31</a:t>
             </a:fld>
             <a:endParaRPr lang="zh-CN" altLang="en-US"/>
           </a:p>
@@ -2347,6 +2335,7 @@
           <a:p>
             <a:fld id="{49AE70B2-8BF9-45C0-BB95-33D1B9D3A854}" type="slidenum">
               <a:rPr lang="zh-CN" altLang="en-US" smtClean="0"/>
+              <a:t>‹#›</a:t>
             </a:fld>
             <a:endParaRPr lang="zh-CN" altLang="en-US"/>
           </a:p>
@@ -2394,6 +2383,7 @@
           <a:p>
             <a:fld id="{760FBDFE-C587-4B4C-A407-44438C67B59E}" type="datetimeFigureOut">
               <a:rPr lang="zh-CN" altLang="en-US" smtClean="0"/>
+              <a:t>2020/5/31</a:t>
             </a:fld>
             <a:endParaRPr lang="zh-CN" altLang="en-US"/>
           </a:p>
@@ -2435,6 +2425,7 @@
           <a:p>
             <a:fld id="{49AE70B2-8BF9-45C0-BB95-33D1B9D3A854}" type="slidenum">
               <a:rPr lang="zh-CN" altLang="en-US" smtClean="0"/>
+              <a:t>‹#›</a:t>
             </a:fld>
             <a:endParaRPr lang="zh-CN" altLang="en-US"/>
           </a:p>
@@ -2503,7 +2494,6 @@
               <a:rPr lang="zh-CN" altLang="en-US" dirty="0"/>
               <a:t>单击此处编辑标题</a:t>
             </a:r>
-            <a:endParaRPr lang="zh-CN" altLang="en-US" dirty="0"/>
           </a:p>
         </p:txBody>
       </p:sp>
@@ -2635,7 +2625,6 @@
               <a:rPr lang="zh-CN" altLang="en-US" dirty="0"/>
               <a:t>单击此处编辑母版文本样式</a:t>
             </a:r>
-            <a:endParaRPr lang="zh-CN" altLang="en-US" dirty="0"/>
           </a:p>
         </p:txBody>
       </p:sp>
@@ -2656,6 +2645,7 @@
           <a:p>
             <a:fld id="{9EFD9D74-47D9-4702-A33C-335B63B48DBF}" type="datetimeFigureOut">
               <a:rPr lang="zh-CN" altLang="en-US" smtClean="0"/>
+              <a:t>2020/5/31</a:t>
             </a:fld>
             <a:endParaRPr lang="zh-CN" altLang="en-US" dirty="0"/>
           </a:p>
@@ -2697,6 +2687,7 @@
           <a:p>
             <a:fld id="{FABC47A4-756D-490B-A52F-7D9E2C9FC05F}" type="slidenum">
               <a:rPr lang="zh-CN" altLang="en-US" smtClean="0"/>
+              <a:t>‹#›</a:t>
             </a:fld>
             <a:endParaRPr lang="zh-CN" altLang="en-US"/>
           </a:p>
@@ -2757,7 +2748,6 @@
               <a:rPr lang="zh-CN" altLang="en-US"/>
               <a:t>单击此处编辑母版标题样式</a:t>
             </a:r>
-            <a:endParaRPr lang="zh-CN" altLang="en-US"/>
           </a:p>
         </p:txBody>
       </p:sp>
@@ -2786,7 +2776,6 @@
               <a:rPr lang="zh-CN" altLang="en-US" dirty="0"/>
               <a:t>单击此处编辑母版文本样式</a:t>
             </a:r>
-            <a:endParaRPr lang="zh-CN" altLang="en-US" dirty="0"/>
           </a:p>
           <a:p>
             <a:pPr lvl="1"/>
@@ -2794,7 +2783,6 @@
               <a:rPr lang="zh-CN" altLang="en-US" dirty="0"/>
               <a:t>第二级</a:t>
             </a:r>
-            <a:endParaRPr lang="zh-CN" altLang="en-US" dirty="0"/>
           </a:p>
           <a:p>
             <a:pPr lvl="2"/>
@@ -2802,7 +2790,6 @@
               <a:rPr lang="zh-CN" altLang="en-US" dirty="0"/>
               <a:t>第三级</a:t>
             </a:r>
-            <a:endParaRPr lang="zh-CN" altLang="en-US" dirty="0"/>
           </a:p>
           <a:p>
             <a:pPr lvl="3"/>
@@ -2810,7 +2797,6 @@
               <a:rPr lang="zh-CN" altLang="en-US" dirty="0"/>
               <a:t>第四级</a:t>
             </a:r>
-            <a:endParaRPr lang="zh-CN" altLang="en-US" dirty="0"/>
           </a:p>
           <a:p>
             <a:pPr lvl="4"/>
@@ -2818,7 +2804,6 @@
               <a:rPr lang="zh-CN" altLang="en-US" dirty="0"/>
               <a:t>第五级</a:t>
             </a:r>
-            <a:endParaRPr lang="zh-CN" altLang="en-US" dirty="0"/>
           </a:p>
         </p:txBody>
       </p:sp>
@@ -2839,6 +2824,7 @@
           <a:p>
             <a:fld id="{760FBDFE-C587-4B4C-A407-44438C67B59E}" type="datetimeFigureOut">
               <a:rPr lang="zh-CN" altLang="en-US" smtClean="0"/>
+              <a:t>2020/5/31</a:t>
             </a:fld>
             <a:endParaRPr lang="zh-CN" altLang="en-US"/>
           </a:p>
@@ -2880,6 +2866,7 @@
           <a:p>
             <a:fld id="{49AE70B2-8BF9-45C0-BB95-33D1B9D3A854}" type="slidenum">
               <a:rPr lang="zh-CN" altLang="en-US" smtClean="0"/>
+              <a:t>‹#›</a:t>
             </a:fld>
             <a:endParaRPr lang="zh-CN" altLang="en-US"/>
           </a:p>
@@ -2947,7 +2934,6 @@
               <a:rPr lang="zh-CN" altLang="en-US" dirty="0"/>
               <a:t>单击此处编辑母版标题样式</a:t>
             </a:r>
-            <a:endParaRPr lang="zh-CN" altLang="en-US" dirty="0"/>
           </a:p>
         </p:txBody>
       </p:sp>
@@ -2981,7 +2967,6 @@
               <a:rPr lang="zh-CN" altLang="en-US" dirty="0"/>
               <a:t>单击此处编辑母版文本样式</a:t>
             </a:r>
-            <a:endParaRPr lang="zh-CN" altLang="en-US" dirty="0"/>
           </a:p>
           <a:p>
             <a:pPr lvl="1"/>
@@ -2989,7 +2974,6 @@
               <a:rPr lang="zh-CN" altLang="en-US" dirty="0"/>
               <a:t>第二级</a:t>
             </a:r>
-            <a:endParaRPr lang="zh-CN" altLang="en-US" dirty="0"/>
           </a:p>
           <a:p>
             <a:pPr lvl="2"/>
@@ -2997,7 +2981,6 @@
               <a:rPr lang="zh-CN" altLang="en-US" dirty="0"/>
               <a:t>第三级</a:t>
             </a:r>
-            <a:endParaRPr lang="zh-CN" altLang="en-US" dirty="0"/>
           </a:p>
           <a:p>
             <a:pPr lvl="3"/>
@@ -3005,7 +2988,6 @@
               <a:rPr lang="zh-CN" altLang="en-US" dirty="0"/>
               <a:t>第四级</a:t>
             </a:r>
-            <a:endParaRPr lang="zh-CN" altLang="en-US" dirty="0"/>
           </a:p>
           <a:p>
             <a:pPr lvl="4"/>
@@ -3013,7 +2995,6 @@
               <a:rPr lang="zh-CN" altLang="en-US" dirty="0"/>
               <a:t>第五级</a:t>
             </a:r>
-            <a:endParaRPr lang="zh-CN" altLang="en-US" dirty="0"/>
           </a:p>
         </p:txBody>
       </p:sp>
@@ -3054,6 +3035,7 @@
           <a:p>
             <a:fld id="{760FBDFE-C587-4B4C-A407-44438C67B59E}" type="datetimeFigureOut">
               <a:rPr lang="zh-CN" altLang="en-US" smtClean="0"/>
+              <a:t>2020/5/31</a:t>
             </a:fld>
             <a:endParaRPr lang="zh-CN" altLang="en-US"/>
           </a:p>
@@ -3135,6 +3117,7 @@
           <a:p>
             <a:fld id="{49AE70B2-8BF9-45C0-BB95-33D1B9D3A854}" type="slidenum">
               <a:rPr lang="zh-CN" altLang="en-US" smtClean="0"/>
+              <a:t>‹#›</a:t>
             </a:fld>
             <a:endParaRPr lang="zh-CN" altLang="en-US"/>
           </a:p>
@@ -3447,7 +3430,14 @@
         <p:cNvGrpSpPr/>
         <p:nvPr/>
       </p:nvGrpSpPr>
-      <p:grpSpPr/>
+      <p:grpSpPr>
+        <a:xfrm>
+          <a:off x="0" y="0"/>
+          <a:ext cx="0" cy="0"/>
+          <a:chOff x="0" y="0"/>
+          <a:chExt cx="0" cy="0"/>
+        </a:xfrm>
+      </p:grpSpPr>
       <p:sp>
         <p:nvSpPr>
           <p:cNvPr id="4" name="标题 3"/>
@@ -3461,12 +3451,12 @@
         <p:spPr/>
         <p:txBody>
           <a:bodyPr/>
+          <a:lstStyle/>
           <a:p>
             <a:r>
               <a:rPr lang="" altLang="zh-CN"/>
               <a:t>背包</a:t>
             </a:r>
-            <a:endParaRPr lang="" altLang="zh-CN"/>
           </a:p>
         </p:txBody>
       </p:sp>
@@ -3474,14 +3464,14 @@
         <p:nvPicPr>
           <p:cNvPr id="6" name="内容占位符 5"/>
           <p:cNvPicPr>
-            <a:picLocks noChangeAspect="1"/>
+            <a:picLocks noGrp="1" noChangeAspect="1"/>
           </p:cNvPicPr>
           <p:nvPr>
             <p:ph idx="1"/>
           </p:nvPr>
         </p:nvPicPr>
         <p:blipFill>
-          <a:blip r:embed="rId1"/>
+          <a:blip r:embed="rId2"/>
           <a:stretch>
             <a:fillRect/>
           </a:stretch>
@@ -3513,7 +3503,14 @@
         <p:cNvGrpSpPr/>
         <p:nvPr/>
       </p:nvGrpSpPr>
-      <p:grpSpPr/>
+      <p:grpSpPr>
+        <a:xfrm>
+          <a:off x="0" y="0"/>
+          <a:ext cx="0" cy="0"/>
+          <a:chOff x="0" y="0"/>
+          <a:chExt cx="0" cy="0"/>
+        </a:xfrm>
+      </p:grpSpPr>
       <p:sp>
         <p:nvSpPr>
           <p:cNvPr id="2" name="标题 1"/>
@@ -3527,8 +3524,12 @@
         <p:spPr/>
         <p:txBody>
           <a:bodyPr/>
-          <a:p>
-            <a:endParaRPr lang="zh-CN" altLang="en-US"/>
+          <a:lstStyle/>
+          <a:p>
+            <a:r>
+              <a:rPr lang="zh-CN" altLang="en-US"/>
+              <a:t>背包的体积，物品的体积，物品的价值</a:t>
+            </a:r>
           </a:p>
         </p:txBody>
       </p:sp>
@@ -3536,14 +3537,14 @@
         <p:nvPicPr>
           <p:cNvPr id="4" name="内容占位符 3"/>
           <p:cNvPicPr>
-            <a:picLocks noChangeAspect="1"/>
+            <a:picLocks noGrp="1" noChangeAspect="1"/>
           </p:cNvPicPr>
           <p:nvPr>
             <p:ph idx="1"/>
           </p:nvPr>
         </p:nvPicPr>
         <p:blipFill>
-          <a:blip r:embed="rId1"/>
+          <a:blip r:embed="rId2"/>
           <a:stretch>
             <a:fillRect/>
           </a:stretch>
@@ -3817,6 +3818,8 @@
       </a:bgFillStyleLst>
     </a:fmtScheme>
   </a:themeElements>
+  <a:objectDefaults/>
+  <a:extraClrSchemeLst/>
   <a:extLst>
     <a:ext uri="{05A4C25C-085E-4340-85A3-A5531E510DB2}">
       <thm15:themeFamily xmlns:thm15="http://schemas.microsoft.com/office/thememl/2012/main" name="Office Theme" id="{62F939B6-93AF-4DB8-9C6B-D6C7DFDC589F}" vid="{4A3C46E8-61CC-4603-A589-7422A47A8E4A}"/>
@@ -4076,6 +4079,8 @@
       </a:bgFillStyleLst>
     </a:fmtScheme>
   </a:themeElements>
+  <a:objectDefaults/>
+  <a:extraClrSchemeLst/>
   <a:extLst>
     <a:ext uri="{05A4C25C-085E-4340-85A3-A5531E510DB2}">
       <thm15:themeFamily xmlns:thm15="http://schemas.microsoft.com/office/thememl/2012/main" name="Office Theme" id="{62F939B6-93AF-4DB8-9C6B-D6C7DFDC589F}" vid="{4A3C46E8-61CC-4603-A589-7422A47A8E4A}"/>
@@ -4335,6 +4340,8 @@
       </a:bgFillStyleLst>
     </a:fmtScheme>
   </a:themeElements>
+  <a:objectDefaults/>
+  <a:extraClrSchemeLst/>
   <a:extLst>
     <a:ext uri="{05A4C25C-085E-4340-85A3-A5531E510DB2}">
       <thm15:themeFamily xmlns:thm15="http://schemas.microsoft.com/office/thememl/2012/main" name="Office Theme" id="{62F939B6-93AF-4DB8-9C6B-D6C7DFDC589F}" vid="{4A3C46E8-61CC-4603-A589-7422A47A8E4A}"/>
